--- a/docs/Final Demo Presentation.pptx
+++ b/docs/Final Demo Presentation.pptx
@@ -109,6 +109,11 @@
       </a:defRPr>
     </a:lvl9pPr>
   </p:defaultTextStyle>
+  <p:extLst>
+    <p:ext uri="{EFAFB233-063F-42B5-8137-9DF3F51BA10A}">
+      <p15:sldGuideLst xmlns:p15="http://schemas.microsoft.com/office/powerpoint/2012/main"/>
+    </p:ext>
+  </p:extLst>
 </p:presentation>
 </file>
 
@@ -5441,7 +5446,19 @@
               <a:rPr lang="en-US" dirty="0">
                 <a:latin typeface="Comfortaa" panose="00000500000000000000" pitchFamily="2" charset="0"/>
               </a:rPr>
-              <a:t>For users with Android Versions Oreo and above (&gt;8.0), we feature walking directions</a:t>
+              <a:t>For users with Android Versions Oreo and </a:t>
+            </a:r>
+            <a:r>
+              <a:rPr lang="en-US">
+                <a:latin typeface="Comfortaa" panose="00000500000000000000" pitchFamily="2" charset="0"/>
+              </a:rPr>
+              <a:t>above (&gt;v8.0</a:t>
+            </a:r>
+            <a:r>
+              <a:rPr lang="en-US" dirty="0">
+                <a:latin typeface="Comfortaa" panose="00000500000000000000" pitchFamily="2" charset="0"/>
+              </a:rPr>
+              <a:t>), we feature walking directions</a:t>
             </a:r>
           </a:p>
           <a:p>

--- a/docs/Final Demo Presentation.pptx
+++ b/docs/Final Demo Presentation.pptx
@@ -5295,6 +5295,31 @@
               <a:rPr lang="en-US" dirty="0">
                 <a:latin typeface="Comfortaa" panose="00000500000000000000" pitchFamily="2" charset="0"/>
               </a:rPr>
+              <a:t>Team: </a:t>
+            </a:r>
+            <a:r>
+              <a:rPr lang="en-US" dirty="0" err="1">
+                <a:latin typeface="Comfortaa" panose="00000500000000000000" pitchFamily="2" charset="0"/>
+              </a:rPr>
+              <a:t>Sudo</a:t>
+            </a:r>
+            <a:r>
+              <a:rPr lang="en-US" dirty="0">
+                <a:latin typeface="Comfortaa" panose="00000500000000000000" pitchFamily="2" charset="0"/>
+              </a:rPr>
+              <a:t> Give Us An A</a:t>
+            </a:r>
+          </a:p>
+          <a:p>
+            <a:endParaRPr lang="en-US" dirty="0">
+              <a:latin typeface="Comfortaa" panose="00000500000000000000" pitchFamily="2" charset="0"/>
+            </a:endParaRPr>
+          </a:p>
+          <a:p>
+            <a:r>
+              <a:rPr lang="en-US" dirty="0">
+                <a:latin typeface="Comfortaa" panose="00000500000000000000" pitchFamily="2" charset="0"/>
+              </a:rPr>
               <a:t>Brian </a:t>
             </a:r>
             <a:r>
